--- a/oauth.pptx
+++ b/oauth.pptx
@@ -40,16 +40,16 @@
       <p:boldItalic r:id="rId26"/>
     </p:embeddedFont>
     <p:embeddedFont>
-      <p:font typeface="Calibri Light" panose="020F0302020204030204" pitchFamily="34" charset="0"/>
+      <p:font typeface="Quantico" panose="020B0604020202020204" charset="0"/>
       <p:regular r:id="rId27"/>
-      <p:italic r:id="rId28"/>
+      <p:bold r:id="rId28"/>
+      <p:italic r:id="rId29"/>
+      <p:boldItalic r:id="rId30"/>
     </p:embeddedFont>
     <p:embeddedFont>
-      <p:font typeface="Quantico" panose="020B0604020202020204" charset="0"/>
-      <p:regular r:id="rId29"/>
-      <p:bold r:id="rId30"/>
-      <p:italic r:id="rId31"/>
-      <p:boldItalic r:id="rId32"/>
+      <p:font typeface="Calibri Light" panose="020F0302020204030204" pitchFamily="34" charset="0"/>
+      <p:regular r:id="rId31"/>
+      <p:italic r:id="rId32"/>
     </p:embeddedFont>
     <p:embeddedFont>
       <p:font typeface="Calibri" panose="020F0502020204030204" pitchFamily="34" charset="0"/>
@@ -5364,14 +5364,7 @@
                 <a:latin typeface="Source Code Pro" panose="020B0604020202020204" charset="0"/>
                 <a:ea typeface="Source Code Pro" panose="020B0604020202020204" charset="0"/>
               </a:rPr>
-              <a:t>безопасности и контроля </a:t>
-            </a:r>
-            <a:r>
-              <a:rPr lang="ru-RU" sz="2700" dirty="0" smtClean="0">
-                <a:latin typeface="Source Code Pro" panose="020B0604020202020204" charset="0"/>
-                <a:ea typeface="Source Code Pro" panose="020B0604020202020204" charset="0"/>
-              </a:rPr>
-              <a:t>доступа к ИИ системам</a:t>
+              <a:t>безопасности и контроля доступа к ИИ системам</a:t>
             </a:r>
             <a:r>
               <a:rPr lang="en-US" sz="2700" dirty="0" smtClean="0">
@@ -10630,9 +10623,9 @@
       </p:grpSp>
       <p:pic>
         <p:nvPicPr>
-          <p:cNvPr id="88" name="Рисунок 87"/>
+          <p:cNvPr id="4098" name="Picture 2" descr="http://qrcoder.ru/code/?https%3A%2F%2Fhabr.com%2Fru%2Fcompanies%2Fflant%2Farticles%2F475942%2F&amp;4&amp;0"/>
           <p:cNvPicPr>
-            <a:picLocks noChangeAspect="1"/>
+            <a:picLocks noChangeAspect="1" noChangeArrowheads="1"/>
           </p:cNvPicPr>
           <p:nvPr/>
         </p:nvPicPr>
@@ -10644,23 +10637,34 @@
               </a:ext>
             </a:extLst>
           </a:blip>
+          <a:srcRect/>
           <a:stretch>
             <a:fillRect/>
           </a:stretch>
         </p:blipFill>
-        <p:spPr>
+        <p:spPr bwMode="auto">
           <a:xfrm>
-            <a:off x="8026290" y="4027358"/>
-            <a:ext cx="1102470" cy="1102470"/>
+            <a:off x="7829384" y="3829152"/>
+            <a:ext cx="1291487" cy="1291487"/>
           </a:xfrm>
           <a:prstGeom prst="rect">
             <a:avLst/>
           </a:prstGeom>
+          <a:noFill/>
           <a:ln>
             <a:solidFill>
               <a:srgbClr val="FF0000"/>
             </a:solidFill>
           </a:ln>
+          <a:extLst>
+            <a:ext uri="{909E8E84-426E-40DD-AFC4-6F175D3DCCD1}">
+              <a14:hiddenFill xmlns:a14="http://schemas.microsoft.com/office/drawing/2010/main">
+                <a:solidFill>
+                  <a:srgbClr val="FFFFFF"/>
+                </a:solidFill>
+              </a14:hiddenFill>
+            </a:ext>
+          </a:extLst>
         </p:spPr>
       </p:pic>
     </p:spTree>
@@ -12002,6 +12006,52 @@
           </a:p>
         </p:txBody>
       </p:sp>
+      <p:pic>
+        <p:nvPicPr>
+          <p:cNvPr id="5124" name="Picture 4" descr="http://qrcoder.ru/code/?https%3A%2F%2Fhabr.com%2Fru%2Fcompanies%2Fdododev%2Farticles%2F520046%2F&amp;4&amp;0"/>
+          <p:cNvPicPr>
+            <a:picLocks noChangeAspect="1" noChangeArrowheads="1"/>
+          </p:cNvPicPr>
+          <p:nvPr/>
+        </p:nvPicPr>
+        <p:blipFill>
+          <a:blip r:embed="rId3">
+            <a:extLst>
+              <a:ext uri="{28A0092B-C50C-407E-A947-70E740481C1C}">
+                <a14:useLocalDpi xmlns:a14="http://schemas.microsoft.com/office/drawing/2010/main" val="0"/>
+              </a:ext>
+            </a:extLst>
+          </a:blip>
+          <a:srcRect/>
+          <a:stretch>
+            <a:fillRect/>
+          </a:stretch>
+        </p:blipFill>
+        <p:spPr bwMode="auto">
+          <a:xfrm>
+            <a:off x="7559040" y="3550920"/>
+            <a:ext cx="1562100" cy="1562100"/>
+          </a:xfrm>
+          <a:prstGeom prst="rect">
+            <a:avLst/>
+          </a:prstGeom>
+          <a:noFill/>
+          <a:ln>
+            <a:solidFill>
+              <a:srgbClr val="00B050"/>
+            </a:solidFill>
+          </a:ln>
+          <a:extLst>
+            <a:ext uri="{909E8E84-426E-40DD-AFC4-6F175D3DCCD1}">
+              <a14:hiddenFill xmlns:a14="http://schemas.microsoft.com/office/drawing/2010/main">
+                <a:solidFill>
+                  <a:srgbClr val="FFFFFF"/>
+                </a:solidFill>
+              </a14:hiddenFill>
+            </a:ext>
+          </a:extLst>
+        </p:spPr>
+      </p:pic>
     </p:spTree>
     <p:extLst>
       <p:ext uri="{BB962C8B-B14F-4D97-AF65-F5344CB8AC3E}">
@@ -12505,6 +12555,52 @@
             <a:avLst/>
           </a:prstGeom>
           <a:noFill/>
+          <a:extLst>
+            <a:ext uri="{909E8E84-426E-40DD-AFC4-6F175D3DCCD1}">
+              <a14:hiddenFill xmlns:a14="http://schemas.microsoft.com/office/drawing/2010/main">
+                <a:solidFill>
+                  <a:srgbClr val="FFFFFF"/>
+                </a:solidFill>
+              </a14:hiddenFill>
+            </a:ext>
+          </a:extLst>
+        </p:spPr>
+      </p:pic>
+      <p:pic>
+        <p:nvPicPr>
+          <p:cNvPr id="13" name="Picture 2" descr="http://qrcoder.ru/code/?https%3A%2F%2Fwww.digitalocean.com%2Fcommunity%2Ftutorials%2Foauth-2-ru%23&amp;4&amp;0"/>
+          <p:cNvPicPr>
+            <a:picLocks noChangeAspect="1" noChangeArrowheads="1"/>
+          </p:cNvPicPr>
+          <p:nvPr/>
+        </p:nvPicPr>
+        <p:blipFill>
+          <a:blip r:embed="rId4">
+            <a:extLst>
+              <a:ext uri="{28A0092B-C50C-407E-A947-70E740481C1C}">
+                <a14:useLocalDpi xmlns:a14="http://schemas.microsoft.com/office/drawing/2010/main" val="0"/>
+              </a:ext>
+            </a:extLst>
+          </a:blip>
+          <a:srcRect/>
+          <a:stretch>
+            <a:fillRect/>
+          </a:stretch>
+        </p:blipFill>
+        <p:spPr bwMode="auto">
+          <a:xfrm>
+            <a:off x="7559040" y="3550920"/>
+            <a:ext cx="1562100" cy="1562100"/>
+          </a:xfrm>
+          <a:prstGeom prst="rect">
+            <a:avLst/>
+          </a:prstGeom>
+          <a:noFill/>
+          <a:ln>
+            <a:solidFill>
+              <a:srgbClr val="FFC000"/>
+            </a:solidFill>
+          </a:ln>
           <a:extLst>
             <a:ext uri="{909E8E84-426E-40DD-AFC4-6F175D3DCCD1}">
               <a14:hiddenFill xmlns:a14="http://schemas.microsoft.com/office/drawing/2010/main">
@@ -14852,41 +14948,6 @@
       </p:sp>
       <p:pic>
         <p:nvPicPr>
-          <p:cNvPr id="2" name="Рисунок 1"/>
-          <p:cNvPicPr>
-            <a:picLocks noChangeAspect="1"/>
-          </p:cNvPicPr>
-          <p:nvPr/>
-        </p:nvPicPr>
-        <p:blipFill>
-          <a:blip r:embed="rId3">
-            <a:extLst>
-              <a:ext uri="{28A0092B-C50C-407E-A947-70E740481C1C}">
-                <a14:useLocalDpi xmlns:a14="http://schemas.microsoft.com/office/drawing/2010/main" val="0"/>
-              </a:ext>
-            </a:extLst>
-          </a:blip>
-          <a:stretch>
-            <a:fillRect/>
-          </a:stretch>
-        </p:blipFill>
-        <p:spPr>
-          <a:xfrm>
-            <a:off x="7764780" y="3756660"/>
-            <a:ext cx="1356360" cy="1356360"/>
-          </a:xfrm>
-          <a:prstGeom prst="rect">
-            <a:avLst/>
-          </a:prstGeom>
-          <a:ln>
-            <a:solidFill>
-              <a:srgbClr val="00B050"/>
-            </a:solidFill>
-          </a:ln>
-        </p:spPr>
-      </p:pic>
-      <p:pic>
-        <p:nvPicPr>
           <p:cNvPr id="3" name="Рисунок 2"/>
           <p:cNvPicPr>
             <a:picLocks noChangeAspect="1"/>
@@ -14894,7 +14955,7 @@
           <p:nvPr/>
         </p:nvPicPr>
         <p:blipFill>
-          <a:blip r:embed="rId4"/>
+          <a:blip r:embed="rId3"/>
           <a:stretch>
             <a:fillRect/>
           </a:stretch>
@@ -15189,6 +15250,52 @@
           </a:p>
         </p:txBody>
       </p:sp>
+      <p:pic>
+        <p:nvPicPr>
+          <p:cNvPr id="2050" name="Picture 2" descr="http://qrcoder.ru/code/?https%3A%2F%2Fhabr.com%2Fru%2Farticles%2F340146%2F&amp;4&amp;0"/>
+          <p:cNvPicPr>
+            <a:picLocks noChangeAspect="1" noChangeArrowheads="1"/>
+          </p:cNvPicPr>
+          <p:nvPr/>
+        </p:nvPicPr>
+        <p:blipFill>
+          <a:blip r:embed="rId4">
+            <a:extLst>
+              <a:ext uri="{28A0092B-C50C-407E-A947-70E740481C1C}">
+                <a14:useLocalDpi xmlns:a14="http://schemas.microsoft.com/office/drawing/2010/main" val="0"/>
+              </a:ext>
+            </a:extLst>
+          </a:blip>
+          <a:srcRect/>
+          <a:stretch>
+            <a:fillRect/>
+          </a:stretch>
+        </p:blipFill>
+        <p:spPr bwMode="auto">
+          <a:xfrm>
+            <a:off x="7719060" y="3707784"/>
+            <a:ext cx="1409700" cy="1409700"/>
+          </a:xfrm>
+          <a:prstGeom prst="rect">
+            <a:avLst/>
+          </a:prstGeom>
+          <a:noFill/>
+          <a:ln>
+            <a:solidFill>
+              <a:srgbClr val="FFC000"/>
+            </a:solidFill>
+          </a:ln>
+          <a:extLst>
+            <a:ext uri="{909E8E84-426E-40DD-AFC4-6F175D3DCCD1}">
+              <a14:hiddenFill xmlns:a14="http://schemas.microsoft.com/office/drawing/2010/main">
+                <a:solidFill>
+                  <a:srgbClr val="FFFFFF"/>
+                </a:solidFill>
+              </a14:hiddenFill>
+            </a:ext>
+          </a:extLst>
+        </p:spPr>
+      </p:pic>
     </p:spTree>
     <p:extLst>
       <p:ext uri="{BB962C8B-B14F-4D97-AF65-F5344CB8AC3E}">
@@ -15921,6 +16028,52 @@
             <a:avLst/>
           </a:prstGeom>
           <a:noFill/>
+          <a:extLst>
+            <a:ext uri="{909E8E84-426E-40DD-AFC4-6F175D3DCCD1}">
+              <a14:hiddenFill xmlns:a14="http://schemas.microsoft.com/office/drawing/2010/main">
+                <a:solidFill>
+                  <a:srgbClr val="FFFFFF"/>
+                </a:solidFill>
+              </a14:hiddenFill>
+            </a:ext>
+          </a:extLst>
+        </p:spPr>
+      </p:pic>
+      <p:pic>
+        <p:nvPicPr>
+          <p:cNvPr id="3074" name="Picture 2" descr="http://qrcoder.ru/code/?https%3A%2F%2Fhabr.com%2Fru%2Fcompanies%2Fcustis%2Farticles%2F248649%2F&amp;4&amp;0"/>
+          <p:cNvPicPr>
+            <a:picLocks noChangeAspect="1" noChangeArrowheads="1"/>
+          </p:cNvPicPr>
+          <p:nvPr/>
+        </p:nvPicPr>
+        <p:blipFill>
+          <a:blip r:embed="rId7">
+            <a:extLst>
+              <a:ext uri="{28A0092B-C50C-407E-A947-70E740481C1C}">
+                <a14:useLocalDpi xmlns:a14="http://schemas.microsoft.com/office/drawing/2010/main" val="0"/>
+              </a:ext>
+            </a:extLst>
+          </a:blip>
+          <a:srcRect/>
+          <a:stretch>
+            <a:fillRect/>
+          </a:stretch>
+        </p:blipFill>
+        <p:spPr bwMode="auto">
+          <a:xfrm>
+            <a:off x="15240" y="3556436"/>
+            <a:ext cx="1562100" cy="1562100"/>
+          </a:xfrm>
+          <a:prstGeom prst="rect">
+            <a:avLst/>
+          </a:prstGeom>
+          <a:noFill/>
+          <a:ln>
+            <a:solidFill>
+              <a:srgbClr val="FF0000"/>
+            </a:solidFill>
+          </a:ln>
           <a:extLst>
             <a:ext uri="{909E8E84-426E-40DD-AFC4-6F175D3DCCD1}">
               <a14:hiddenFill xmlns:a14="http://schemas.microsoft.com/office/drawing/2010/main">
@@ -20292,6 +20445,52 @@
           </p:sp>
         </p:grpSp>
       </p:grpSp>
+      <p:pic>
+        <p:nvPicPr>
+          <p:cNvPr id="1026" name="Picture 2" descr="http://qrcoder.ru/code/?https%3A%2F%2Fgithub.com%2FVaynbaum%2Flecture-oauth&amp;4&amp;0"/>
+          <p:cNvPicPr>
+            <a:picLocks noChangeAspect="1" noChangeArrowheads="1"/>
+          </p:cNvPicPr>
+          <p:nvPr/>
+        </p:nvPicPr>
+        <p:blipFill>
+          <a:blip r:embed="rId2">
+            <a:extLst>
+              <a:ext uri="{28A0092B-C50C-407E-A947-70E740481C1C}">
+                <a14:useLocalDpi xmlns:a14="http://schemas.microsoft.com/office/drawing/2010/main" val="0"/>
+              </a:ext>
+            </a:extLst>
+          </a:blip>
+          <a:srcRect/>
+          <a:stretch>
+            <a:fillRect/>
+          </a:stretch>
+        </p:blipFill>
+        <p:spPr bwMode="auto">
+          <a:xfrm>
+            <a:off x="7719060" y="3707173"/>
+            <a:ext cx="1409700" cy="1409700"/>
+          </a:xfrm>
+          <a:prstGeom prst="rect">
+            <a:avLst/>
+          </a:prstGeom>
+          <a:noFill/>
+          <a:ln>
+            <a:solidFill>
+              <a:srgbClr val="FFC000"/>
+            </a:solidFill>
+          </a:ln>
+          <a:extLst>
+            <a:ext uri="{909E8E84-426E-40DD-AFC4-6F175D3DCCD1}">
+              <a14:hiddenFill xmlns:a14="http://schemas.microsoft.com/office/drawing/2010/main">
+                <a:solidFill>
+                  <a:srgbClr val="FFFFFF"/>
+                </a:solidFill>
+              </a14:hiddenFill>
+            </a:ext>
+          </a:extLst>
+        </p:spPr>
+      </p:pic>
     </p:spTree>
     <p:extLst>
       <p:ext uri="{BB962C8B-B14F-4D97-AF65-F5344CB8AC3E}">
